--- a/Plots/plots.pptx
+++ b/Plots/plots.pptx
@@ -104,6 +104,11 @@
       </a:defRPr>
     </a:lvl9pPr>
   </p:defaultTextStyle>
+  <p:extLst>
+    <p:ext uri="{EFAFB233-063F-42B5-8137-9DF3F51BA10A}">
+      <p15:sldGuideLst xmlns:p15="http://schemas.microsoft.com/office/powerpoint/2012/main"/>
+    </p:ext>
+  </p:extLst>
 </p:presentation>
 </file>
 
@@ -1234,7 +1239,7 @@
             <a:rPr lang="en-US" sz="1200" b="1" dirty="0">
               <a:latin typeface="Arial Rounded MT Bold" panose="020F0704030504030204" pitchFamily="34" charset="77"/>
             </a:rPr>
-            <a:t>Develop</a:t>
+            <a:t>Deploy</a:t>
           </a:r>
         </a:p>
       </dgm:t>
@@ -1854,7 +1859,7 @@
             <a:rPr lang="en-US" sz="1200" b="1" kern="1200" dirty="0">
               <a:latin typeface="Arial Rounded MT Bold" panose="020F0704030504030204" pitchFamily="34" charset="77"/>
             </a:rPr>
-            <a:t>Develop</a:t>
+            <a:t>Deploy</a:t>
           </a:r>
         </a:p>
       </dsp:txBody>
@@ -6400,7 +6405,7 @@
           <p:nvPr>
             <p:extLst>
               <p:ext uri="{D42A27DB-BD31-4B8C-83A1-F6EECF244321}">
-                <p14:modId xmlns:p14="http://schemas.microsoft.com/office/powerpoint/2010/main" val="2621994111"/>
+                <p14:modId xmlns:p14="http://schemas.microsoft.com/office/powerpoint/2010/main" val="2300827577"/>
               </p:ext>
             </p:extLst>
           </p:nvPr>
